--- a/netlogo_basics.pptx
+++ b/netlogo_basics.pptx
@@ -208,7 +208,7 @@
           <a:p>
             <a:fld id="{D8AA19FA-41AE-4F2A-8228-3399FEB02D4B}" type="datetimeFigureOut">
               <a:rPr lang="it-IT" smtClean="0"/>
-              <a:t>17/04/2025</a:t>
+              <a:t>15/05/2025</a:t>
             </a:fld>
             <a:endParaRPr lang="it-IT"/>
           </a:p>
@@ -893,7 +893,7 @@
           <a:p>
             <a:fld id="{C3A2CE4C-2805-4E3E-AF65-4896882F519E}" type="datetimeFigureOut">
               <a:rPr lang="it-IT" smtClean="0"/>
-              <a:t>17/04/2025</a:t>
+              <a:t>15/05/2025</a:t>
             </a:fld>
             <a:endParaRPr lang="it-IT"/>
           </a:p>
@@ -3297,7 +3297,7 @@
           <a:p>
             <a:fld id="{C3A2CE4C-2805-4E3E-AF65-4896882F519E}" type="datetimeFigureOut">
               <a:rPr lang="it-IT" smtClean="0"/>
-              <a:t>17/04/2025</a:t>
+              <a:t>15/05/2025</a:t>
             </a:fld>
             <a:endParaRPr lang="it-IT"/>
           </a:p>
@@ -3578,7 +3578,7 @@
           <a:p>
             <a:fld id="{0CECE968-9458-1846-8B1A-FEE51423D98D}" type="datetimeFigureOut">
               <a:rPr lang="it-IT" smtClean="0"/>
-              <a:t>17/04/2025</a:t>
+              <a:t>15/05/2025</a:t>
             </a:fld>
             <a:endParaRPr lang="it-IT"/>
           </a:p>
@@ -3800,7 +3800,7 @@
           <a:p>
             <a:fld id="{C3A2CE4C-2805-4E3E-AF65-4896882F519E}" type="datetimeFigureOut">
               <a:rPr lang="it-IT" smtClean="0"/>
-              <a:t>17/04/2025</a:t>
+              <a:t>15/05/2025</a:t>
             </a:fld>
             <a:endParaRPr lang="it-IT"/>
           </a:p>
@@ -5202,7 +5202,7 @@
           <a:p>
             <a:r>
               <a:rPr lang="it-IT" sz="1200" dirty="0"/>
-              <a:t>initialize some «classes» of agents, before how many and then their characteristics</a:t>
+              <a:t>initialize some «classes» of agents and their numeric instances</a:t>
             </a:r>
           </a:p>
         </p:txBody>
@@ -7646,7 +7646,19 @@
                   <a:schemeClr val="accent2"/>
                 </a:solidFill>
               </a:rPr>
-              <a:t>x-axis &amp; y-axis</a:t>
+              <a:t>x-axis </a:t>
+            </a:r>
+            <a:r>
+              <a:rPr lang="it-IT" dirty="0"/>
+              <a:t>&amp; </a:t>
+            </a:r>
+            <a:r>
+              <a:rPr lang="it-IT" dirty="0">
+                <a:solidFill>
+                  <a:schemeClr val="accent2"/>
+                </a:solidFill>
+              </a:rPr>
+              <a:t>y-axis</a:t>
             </a:r>
           </a:p>
           <a:p>
@@ -7668,7 +7680,7 @@
             </a:r>
             <a:r>
               <a:rPr lang="it-IT" dirty="0"/>
-              <a:t>, each cell  called </a:t>
+              <a:t>, each cell called </a:t>
             </a:r>
             <a:r>
               <a:rPr lang="it-IT" i="1" dirty="0"/>
@@ -8463,7 +8475,7 @@
               <a:buChar char="•"/>
             </a:pPr>
             <a:r>
-              <a:rPr lang="it-IT" dirty="0"/>
+              <a:rPr lang="it-IT" b="1" dirty="0"/>
               <a:t>can move </a:t>
             </a:r>
           </a:p>
@@ -8962,6 +8974,49 @@
           </a:p>
         </p:txBody>
       </p:sp>
+      <p:cxnSp>
+        <p:nvCxnSpPr>
+          <p:cNvPr id="4" name="Straight Connector 3">
+            <a:extLst>
+              <a:ext uri="{FF2B5EF4-FFF2-40B4-BE49-F238E27FC236}">
+                <a16:creationId xmlns:a16="http://schemas.microsoft.com/office/drawing/2014/main" id="{60EBFCF8-E295-2652-87CF-3B15A59DD219}"/>
+              </a:ext>
+            </a:extLst>
+          </p:cNvPr>
+          <p:cNvCxnSpPr>
+            <a:cxnSpLocks/>
+          </p:cNvCxnSpPr>
+          <p:nvPr/>
+        </p:nvCxnSpPr>
+        <p:spPr>
+          <a:xfrm flipV="1">
+            <a:off x="2089843" y="2672778"/>
+            <a:ext cx="914113" cy="1330680"/>
+          </a:xfrm>
+          <a:prstGeom prst="line">
+            <a:avLst/>
+          </a:prstGeom>
+          <a:ln>
+            <a:solidFill>
+              <a:schemeClr val="accent2"/>
+            </a:solidFill>
+          </a:ln>
+        </p:spPr>
+        <p:style>
+          <a:lnRef idx="1">
+            <a:schemeClr val="accent1"/>
+          </a:lnRef>
+          <a:fillRef idx="0">
+            <a:schemeClr val="accent1"/>
+          </a:fillRef>
+          <a:effectRef idx="0">
+            <a:schemeClr val="accent1"/>
+          </a:effectRef>
+          <a:fontRef idx="minor">
+            <a:schemeClr val="tx1"/>
+          </a:fontRef>
+        </p:style>
+      </p:cxnSp>
     </p:spTree>
     <p:extLst>
       <p:ext uri="{BB962C8B-B14F-4D97-AF65-F5344CB8AC3E}">
@@ -9937,7 +9992,7 @@
           <a:p>
             <a:r>
               <a:rPr lang="it-IT" sz="1600" dirty="0"/>
-              <a:t>only citizen 1 when running this command knows and can interact with his «friend», who does not exist to other agents</a:t>
+              <a:t>only citizen 1 when running this command knows and can interact with his «friend», who does not exist to other citizens</a:t>
             </a:r>
           </a:p>
         </p:txBody>
@@ -10375,7 +10430,7 @@
         </p:blipFill>
         <p:spPr>
           <a:xfrm>
-            <a:off x="503443" y="4654298"/>
+            <a:off x="448060" y="4398570"/>
             <a:ext cx="4176404" cy="355449"/>
           </a:xfrm>
           <a:prstGeom prst="rect">
@@ -10405,7 +10460,7 @@
         </p:blipFill>
         <p:spPr>
           <a:xfrm>
-            <a:off x="522746" y="5774781"/>
+            <a:off x="491618" y="5601610"/>
             <a:ext cx="6355010" cy="350808"/>
           </a:xfrm>
           <a:prstGeom prst="rect">
@@ -10459,6 +10514,15 @@
               <a:defRPr/>
             </a:pPr>
             <a:r>
+              <a:rPr lang="it-IT" dirty="0">
+                <a:solidFill>
+                  <a:prstClr val="black"/>
+                </a:solidFill>
+                <a:latin typeface="Calibri" panose="020F0502020204030204"/>
+              </a:rPr>
+              <a:t>t</a:t>
+            </a:r>
+            <a:r>
               <a:rPr kumimoji="0" lang="it-IT" sz="1800" b="0" i="0" u="none" strike="noStrike" kern="1200" cap="none" spc="0" normalizeH="0" baseline="0" noProof="0" dirty="0">
                 <a:ln>
                   <a:noFill/>
@@ -10473,7 +10537,33 @@
                 <a:ea typeface="+mn-ea"/>
                 <a:cs typeface="+mn-cs"/>
               </a:rPr>
-              <a:t>an entire agentset is asked  to [move]. The cycle ends when all citizens have  completed the task.</a:t>
+              <a:t>he entire agentset </a:t>
+            </a:r>
+            <a:r>
+              <a:rPr lang="it-IT" dirty="0">
+                <a:solidFill>
+                  <a:prstClr val="black"/>
+                </a:solidFill>
+                <a:latin typeface="Calibri" panose="020F0502020204030204"/>
+              </a:rPr>
+              <a:t>of citizens </a:t>
+            </a:r>
+            <a:r>
+              <a:rPr kumimoji="0" lang="it-IT" sz="1800" b="0" i="0" u="none" strike="noStrike" kern="1200" cap="none" spc="0" normalizeH="0" baseline="0" noProof="0" dirty="0">
+                <a:ln>
+                  <a:noFill/>
+                </a:ln>
+                <a:solidFill>
+                  <a:prstClr val="black"/>
+                </a:solidFill>
+                <a:effectLst/>
+                <a:uLnTx/>
+                <a:uFillTx/>
+                <a:latin typeface="Calibri" panose="020F0502020204030204"/>
+                <a:ea typeface="+mn-ea"/>
+                <a:cs typeface="+mn-cs"/>
+              </a:rPr>
+              <a:t>is asked  to [move]. The cycle ends when all citizens have  completed the task.</a:t>
             </a:r>
           </a:p>
           <a:p>
@@ -10509,7 +10599,7 @@
                 <a:ea typeface="+mn-ea"/>
                 <a:cs typeface="+mn-cs"/>
               </a:rPr>
-              <a:t>(every citizen in random order starts the command [move]. They (kind of) start together, but each citizen can complete the command in different times,  affecting anyway the world to who starts later (</a:t>
+              <a:t>(every citizen in random order starts the command [move]. They (kind of) start together, but each citizen can complete the command in different times,  affecting the conditions of those starting later (</a:t>
             </a:r>
             <a:r>
               <a:rPr kumimoji="0" lang="it-IT" sz="1800" b="0" i="0" u="none" strike="noStrike" kern="1200" cap="none" spc="0" normalizeH="0" baseline="0" noProof="0" dirty="0">
@@ -10572,7 +10662,7 @@
         </p:blipFill>
         <p:spPr>
           <a:xfrm>
-            <a:off x="9404012" y="2692344"/>
+            <a:off x="8975995" y="2713581"/>
             <a:ext cx="1828292" cy="715419"/>
           </a:xfrm>
           <a:prstGeom prst="rect">
@@ -10594,8 +10684,8 @@
         </p:nvSpPr>
         <p:spPr>
           <a:xfrm>
-            <a:off x="9007816" y="3608062"/>
-            <a:ext cx="2882626" cy="1477328"/>
+            <a:off x="8054804" y="3608062"/>
+            <a:ext cx="3835638" cy="2031325"/>
           </a:xfrm>
           <a:prstGeom prst="rect">
             <a:avLst/>
@@ -10674,7 +10764,92 @@
                 <a:ea typeface="+mn-ea"/>
                 <a:cs typeface="+mn-cs"/>
               </a:rPr>
-              <a:t> is a «cycle», i.e. a state of the «updated» world when the procedure has been executed. Not the equivalent of seconds!</a:t>
+              <a:t> is a measure of time as </a:t>
+            </a:r>
+            <a:r>
+              <a:rPr kumimoji="0" lang="it-IT" sz="1800" b="0" i="1" u="none" strike="noStrike" kern="1200" cap="none" spc="0" normalizeH="0" baseline="0" noProof="0" dirty="0">
+                <a:ln>
+                  <a:noFill/>
+                </a:ln>
+                <a:solidFill>
+                  <a:prstClr val="black"/>
+                </a:solidFill>
+                <a:effectLst/>
+                <a:uLnTx/>
+                <a:uFillTx/>
+                <a:latin typeface="Calibri" panose="020F0502020204030204"/>
+                <a:ea typeface="+mn-ea"/>
+                <a:cs typeface="+mn-cs"/>
+              </a:rPr>
+              <a:t>model step</a:t>
+            </a:r>
+            <a:r>
+              <a:rPr kumimoji="0" lang="it-IT" sz="1800" b="0" i="0" u="none" strike="noStrike" kern="1200" cap="none" spc="0" normalizeH="0" baseline="0" noProof="0" dirty="0">
+                <a:ln>
+                  <a:noFill/>
+                </a:ln>
+                <a:solidFill>
+                  <a:prstClr val="black"/>
+                </a:solidFill>
+                <a:effectLst/>
+                <a:uLnTx/>
+                <a:uFillTx/>
+                <a:latin typeface="Calibri" panose="020F0502020204030204"/>
+                <a:ea typeface="+mn-ea"/>
+                <a:cs typeface="+mn-cs"/>
+              </a:rPr>
+              <a:t>, it defines the closing of a «cycle» after the previous procedures have been executeed. Usually it goes at the end of </a:t>
+            </a:r>
+            <a:r>
+              <a:rPr kumimoji="0" lang="it-IT" sz="1800" b="0" i="1" u="none" strike="noStrike" kern="1200" cap="none" spc="0" normalizeH="0" baseline="0" noProof="0" dirty="0">
+                <a:ln>
+                  <a:noFill/>
+                </a:ln>
+                <a:solidFill>
+                  <a:prstClr val="black"/>
+                </a:solidFill>
+                <a:effectLst/>
+                <a:uLnTx/>
+                <a:uFillTx/>
+                <a:latin typeface="Calibri" panose="020F0502020204030204"/>
+                <a:ea typeface="+mn-ea"/>
+                <a:cs typeface="+mn-cs"/>
+              </a:rPr>
+              <a:t>go</a:t>
+            </a:r>
+            <a:r>
+              <a:rPr kumimoji="0" lang="it-IT" sz="1800" b="0" u="none" strike="noStrike" kern="1200" cap="none" spc="0" normalizeH="0" baseline="0" noProof="0" dirty="0">
+                <a:ln>
+                  <a:noFill/>
+                </a:ln>
+                <a:solidFill>
+                  <a:prstClr val="black"/>
+                </a:solidFill>
+                <a:effectLst/>
+                <a:uLnTx/>
+                <a:uFillTx/>
+                <a:latin typeface="Calibri" panose="020F0502020204030204"/>
+                <a:ea typeface="+mn-ea"/>
+                <a:cs typeface="+mn-cs"/>
+              </a:rPr>
+              <a:t> that collects all macro procedures of the simulation.</a:t>
+            </a:r>
+            <a:r>
+              <a:rPr kumimoji="0" lang="it-IT" sz="1800" b="0" i="0" u="none" strike="noStrike" kern="1200" cap="none" spc="0" normalizeH="0" baseline="0" noProof="0" dirty="0">
+                <a:ln>
+                  <a:noFill/>
+                </a:ln>
+                <a:solidFill>
+                  <a:prstClr val="black"/>
+                </a:solidFill>
+                <a:effectLst/>
+                <a:uLnTx/>
+                <a:uFillTx/>
+                <a:latin typeface="Calibri" panose="020F0502020204030204"/>
+                <a:ea typeface="+mn-ea"/>
+                <a:cs typeface="+mn-cs"/>
+              </a:rPr>
+              <a:t> Not the equivalent of seconds in real time!</a:t>
             </a:r>
           </a:p>
         </p:txBody>
@@ -10694,7 +10869,7 @@
         <p:spPr>
           <a:xfrm>
             <a:off x="417019" y="3927682"/>
-            <a:ext cx="6822618" cy="646331"/>
+            <a:ext cx="6822618" cy="369332"/>
           </a:xfrm>
           <a:prstGeom prst="rect">
             <a:avLst/>
@@ -10807,7 +10982,7 @@
                 <a:ea typeface="+mn-ea"/>
                 <a:cs typeface="+mn-cs"/>
               </a:rPr>
-              <a:t>= 1 is asked  to move. The cycle ends when it has moved</a:t>
+              <a:t>= 1 is asked  to move. </a:t>
             </a:r>
           </a:p>
         </p:txBody>
@@ -10834,7 +11009,7 @@
         </p:blipFill>
         <p:spPr>
           <a:xfrm>
-            <a:off x="503443" y="5023228"/>
+            <a:off x="448060" y="4767500"/>
             <a:ext cx="6504381" cy="355448"/>
           </a:xfrm>
           <a:prstGeom prst="rect">
@@ -10856,7 +11031,7 @@
         </p:nvSpPr>
         <p:spPr>
           <a:xfrm>
-            <a:off x="5961965" y="5023228"/>
+            <a:off x="5906582" y="4767500"/>
             <a:ext cx="794934" cy="355448"/>
           </a:xfrm>
           <a:prstGeom prst="rect">
@@ -10937,7 +11112,7 @@
         </p:nvSpPr>
         <p:spPr>
           <a:xfrm>
-            <a:off x="884399" y="5035616"/>
+            <a:off x="829016" y="4779888"/>
             <a:ext cx="1070015" cy="355448"/>
           </a:xfrm>
           <a:prstGeom prst="rect">
@@ -11018,7 +11193,7 @@
         </p:nvSpPr>
         <p:spPr>
           <a:xfrm>
-            <a:off x="4221907" y="5046231"/>
+            <a:off x="4166524" y="4790503"/>
             <a:ext cx="641916" cy="355448"/>
           </a:xfrm>
           <a:prstGeom prst="rect">
@@ -11099,7 +11274,7 @@
         </p:nvSpPr>
         <p:spPr>
           <a:xfrm>
-            <a:off x="2561828" y="5026875"/>
+            <a:off x="2506445" y="4771147"/>
             <a:ext cx="1070015" cy="355448"/>
           </a:xfrm>
           <a:prstGeom prst="rect">
@@ -11180,7 +11355,7 @@
         </p:nvSpPr>
         <p:spPr>
           <a:xfrm>
-            <a:off x="417019" y="5332904"/>
+            <a:off x="361636" y="5077176"/>
             <a:ext cx="4670708" cy="369332"/>
           </a:xfrm>
           <a:prstGeom prst="rect">
@@ -11245,7 +11420,7 @@
         </p:nvSpPr>
         <p:spPr>
           <a:xfrm>
-            <a:off x="448147" y="6030509"/>
+            <a:off x="417019" y="5857338"/>
             <a:ext cx="6822618" cy="369332"/>
           </a:xfrm>
           <a:prstGeom prst="rect">

--- a/netlogo_basics.pptx
+++ b/netlogo_basics.pptx
@@ -5,7 +5,7 @@
     <p:sldMasterId id="2147483648" r:id="rId4"/>
   </p:sldMasterIdLst>
   <p:notesMasterIdLst>
-    <p:notesMasterId r:id="rId17"/>
+    <p:notesMasterId r:id="rId18"/>
   </p:notesMasterIdLst>
   <p:sldIdLst>
     <p:sldId id="256" r:id="rId5"/>
@@ -18,8 +18,9 @@
     <p:sldId id="263" r:id="rId12"/>
     <p:sldId id="269" r:id="rId13"/>
     <p:sldId id="267" r:id="rId14"/>
-    <p:sldId id="268" r:id="rId15"/>
-    <p:sldId id="260" r:id="rId16"/>
+    <p:sldId id="270" r:id="rId15"/>
+    <p:sldId id="268" r:id="rId16"/>
+    <p:sldId id="260" r:id="rId17"/>
   </p:sldIdLst>
   <p:sldSz cx="12192000" cy="6858000"/>
   <p:notesSz cx="6858000" cy="9144000"/>
@@ -208,7 +209,7 @@
           <a:p>
             <a:fld id="{D8AA19FA-41AE-4F2A-8228-3399FEB02D4B}" type="datetimeFigureOut">
               <a:rPr lang="it-IT" smtClean="0"/>
-              <a:t>15/05/2025</a:t>
+              <a:t>16/05/2025</a:t>
             </a:fld>
             <a:endParaRPr lang="it-IT"/>
           </a:p>
@@ -893,7 +894,7 @@
           <a:p>
             <a:fld id="{C3A2CE4C-2805-4E3E-AF65-4896882F519E}" type="datetimeFigureOut">
               <a:rPr lang="it-IT" smtClean="0"/>
-              <a:t>15/05/2025</a:t>
+              <a:t>16/05/2025</a:t>
             </a:fld>
             <a:endParaRPr lang="it-IT"/>
           </a:p>
@@ -3297,7 +3298,7 @@
           <a:p>
             <a:fld id="{C3A2CE4C-2805-4E3E-AF65-4896882F519E}" type="datetimeFigureOut">
               <a:rPr lang="it-IT" smtClean="0"/>
-              <a:t>15/05/2025</a:t>
+              <a:t>16/05/2025</a:t>
             </a:fld>
             <a:endParaRPr lang="it-IT"/>
           </a:p>
@@ -3578,7 +3579,7 @@
           <a:p>
             <a:fld id="{0CECE968-9458-1846-8B1A-FEE51423D98D}" type="datetimeFigureOut">
               <a:rPr lang="it-IT" smtClean="0"/>
-              <a:t>15/05/2025</a:t>
+              <a:t>16/05/2025</a:t>
             </a:fld>
             <a:endParaRPr lang="it-IT"/>
           </a:p>
@@ -3800,7 +3801,7 @@
           <a:p>
             <a:fld id="{C3A2CE4C-2805-4E3E-AF65-4896882F519E}" type="datetimeFigureOut">
               <a:rPr lang="it-IT" smtClean="0"/>
-              <a:t>15/05/2025</a:t>
+              <a:t>16/05/2025</a:t>
             </a:fld>
             <a:endParaRPr lang="it-IT"/>
           </a:p>
@@ -6144,6 +6145,1238 @@
           <a:chExt cx="0" cy="0"/>
         </a:xfrm>
       </p:grpSpPr>
+      <p:pic>
+        <p:nvPicPr>
+          <p:cNvPr id="4" name="Picture 3">
+            <a:extLst>
+              <a:ext uri="{FF2B5EF4-FFF2-40B4-BE49-F238E27FC236}">
+                <a16:creationId xmlns:a16="http://schemas.microsoft.com/office/drawing/2014/main" id="{04587976-2F0A-F9AF-2906-E511CEC5BEF0}"/>
+              </a:ext>
+            </a:extLst>
+          </p:cNvPr>
+          <p:cNvPicPr>
+            <a:picLocks noChangeAspect="1"/>
+          </p:cNvPicPr>
+          <p:nvPr/>
+        </p:nvPicPr>
+        <p:blipFill>
+          <a:blip r:embed="rId2"/>
+          <a:stretch>
+            <a:fillRect/>
+          </a:stretch>
+        </p:blipFill>
+        <p:spPr>
+          <a:xfrm>
+            <a:off x="388301" y="1329926"/>
+            <a:ext cx="1785297" cy="245479"/>
+          </a:xfrm>
+          <a:prstGeom prst="rect">
+            <a:avLst/>
+          </a:prstGeom>
+        </p:spPr>
+      </p:pic>
+      <p:pic>
+        <p:nvPicPr>
+          <p:cNvPr id="6" name="Picture 5">
+            <a:extLst>
+              <a:ext uri="{FF2B5EF4-FFF2-40B4-BE49-F238E27FC236}">
+                <a16:creationId xmlns:a16="http://schemas.microsoft.com/office/drawing/2014/main" id="{3AAD7E56-5561-3B6E-A5A3-109898314E2A}"/>
+              </a:ext>
+            </a:extLst>
+          </p:cNvPr>
+          <p:cNvPicPr>
+            <a:picLocks noChangeAspect="1"/>
+          </p:cNvPicPr>
+          <p:nvPr/>
+        </p:nvPicPr>
+        <p:blipFill>
+          <a:blip r:embed="rId3"/>
+          <a:stretch>
+            <a:fillRect/>
+          </a:stretch>
+        </p:blipFill>
+        <p:spPr>
+          <a:xfrm>
+            <a:off x="2477653" y="1329926"/>
+            <a:ext cx="1016161" cy="223060"/>
+          </a:xfrm>
+          <a:prstGeom prst="rect">
+            <a:avLst/>
+          </a:prstGeom>
+        </p:spPr>
+      </p:pic>
+      <p:cxnSp>
+        <p:nvCxnSpPr>
+          <p:cNvPr id="8" name="Straight Arrow Connector 7">
+            <a:extLst>
+              <a:ext uri="{FF2B5EF4-FFF2-40B4-BE49-F238E27FC236}">
+                <a16:creationId xmlns:a16="http://schemas.microsoft.com/office/drawing/2014/main" id="{D1E1FCB2-213A-A230-ED4E-952A4424F5D6}"/>
+              </a:ext>
+            </a:extLst>
+          </p:cNvPr>
+          <p:cNvCxnSpPr>
+            <a:cxnSpLocks/>
+            <a:stCxn id="4" idx="3"/>
+            <a:endCxn id="6" idx="1"/>
+          </p:cNvCxnSpPr>
+          <p:nvPr/>
+        </p:nvCxnSpPr>
+        <p:spPr>
+          <a:xfrm flipV="1">
+            <a:off x="2173598" y="1441456"/>
+            <a:ext cx="304055" cy="11210"/>
+          </a:xfrm>
+          <a:prstGeom prst="straightConnector1">
+            <a:avLst/>
+          </a:prstGeom>
+          <a:ln>
+            <a:solidFill>
+              <a:schemeClr val="accent2">
+                <a:lumMod val="50000"/>
+              </a:schemeClr>
+            </a:solidFill>
+            <a:tailEnd type="triangle"/>
+          </a:ln>
+        </p:spPr>
+        <p:style>
+          <a:lnRef idx="1">
+            <a:schemeClr val="accent1"/>
+          </a:lnRef>
+          <a:fillRef idx="0">
+            <a:schemeClr val="accent1"/>
+          </a:fillRef>
+          <a:effectRef idx="0">
+            <a:schemeClr val="accent1"/>
+          </a:effectRef>
+          <a:fontRef idx="minor">
+            <a:schemeClr val="tx1"/>
+          </a:fontRef>
+        </p:style>
+      </p:cxnSp>
+      <p:grpSp>
+        <p:nvGrpSpPr>
+          <p:cNvPr id="63" name="Group 62">
+            <a:extLst>
+              <a:ext uri="{FF2B5EF4-FFF2-40B4-BE49-F238E27FC236}">
+                <a16:creationId xmlns:a16="http://schemas.microsoft.com/office/drawing/2014/main" id="{19F3F38C-B499-E347-5D3E-79A90FFC389F}"/>
+              </a:ext>
+            </a:extLst>
+          </p:cNvPr>
+          <p:cNvGrpSpPr/>
+          <p:nvPr/>
+        </p:nvGrpSpPr>
+        <p:grpSpPr>
+          <a:xfrm>
+            <a:off x="530658" y="2081968"/>
+            <a:ext cx="3893990" cy="861774"/>
+            <a:chOff x="293607" y="2214994"/>
+            <a:chExt cx="3893990" cy="861774"/>
+          </a:xfrm>
+        </p:grpSpPr>
+        <p:sp>
+          <p:nvSpPr>
+            <p:cNvPr id="12" name="TextBox 11">
+              <a:extLst>
+                <a:ext uri="{FF2B5EF4-FFF2-40B4-BE49-F238E27FC236}">
+                  <a16:creationId xmlns:a16="http://schemas.microsoft.com/office/drawing/2014/main" id="{1FE59D9E-28C4-30BB-0311-FA4999DE9D83}"/>
+                </a:ext>
+              </a:extLst>
+            </p:cNvPr>
+            <p:cNvSpPr txBox="1"/>
+            <p:nvPr/>
+          </p:nvSpPr>
+          <p:spPr>
+            <a:xfrm>
+              <a:off x="2906927" y="2264805"/>
+              <a:ext cx="911968" cy="307777"/>
+            </a:xfrm>
+            <a:prstGeom prst="rect">
+              <a:avLst/>
+            </a:prstGeom>
+            <a:noFill/>
+          </p:spPr>
+          <p:txBody>
+            <a:bodyPr wrap="square">
+              <a:spAutoFit/>
+            </a:bodyPr>
+            <a:lstStyle/>
+            <a:p>
+              <a:r>
+                <a:rPr lang="it-IT" sz="1400" dirty="0"/>
+                <a:t>[1 3 5] </a:t>
+              </a:r>
+            </a:p>
+          </p:txBody>
+        </p:sp>
+        <p:sp>
+          <p:nvSpPr>
+            <p:cNvPr id="14" name="TextBox 13">
+              <a:extLst>
+                <a:ext uri="{FF2B5EF4-FFF2-40B4-BE49-F238E27FC236}">
+                  <a16:creationId xmlns:a16="http://schemas.microsoft.com/office/drawing/2014/main" id="{2434CD50-17A3-0AB8-212B-C3394A054B54}"/>
+                </a:ext>
+              </a:extLst>
+            </p:cNvPr>
+            <p:cNvSpPr txBox="1"/>
+            <p:nvPr/>
+          </p:nvSpPr>
+          <p:spPr>
+            <a:xfrm>
+              <a:off x="2896250" y="2608257"/>
+              <a:ext cx="1291347" cy="307777"/>
+            </a:xfrm>
+            <a:prstGeom prst="rect">
+              <a:avLst/>
+            </a:prstGeom>
+            <a:noFill/>
+          </p:spPr>
+          <p:txBody>
+            <a:bodyPr wrap="square">
+              <a:spAutoFit/>
+            </a:bodyPr>
+            <a:lstStyle/>
+            <a:p>
+              <a:r>
+                <a:rPr lang="it-IT" sz="1400" dirty="0"/>
+                <a:t>[[1 2 4][2 5 6]]</a:t>
+              </a:r>
+            </a:p>
+          </p:txBody>
+        </p:sp>
+        <p:sp>
+          <p:nvSpPr>
+            <p:cNvPr id="16" name="TextBox 15">
+              <a:extLst>
+                <a:ext uri="{FF2B5EF4-FFF2-40B4-BE49-F238E27FC236}">
+                  <a16:creationId xmlns:a16="http://schemas.microsoft.com/office/drawing/2014/main" id="{A180B1E7-4395-AFC8-0E9F-8160D1E266E2}"/>
+                </a:ext>
+              </a:extLst>
+            </p:cNvPr>
+            <p:cNvSpPr txBox="1"/>
+            <p:nvPr/>
+          </p:nvSpPr>
+          <p:spPr>
+            <a:xfrm>
+              <a:off x="293607" y="2214994"/>
+              <a:ext cx="2857608" cy="861774"/>
+            </a:xfrm>
+            <a:prstGeom prst="rect">
+              <a:avLst/>
+            </a:prstGeom>
+            <a:noFill/>
+          </p:spPr>
+          <p:txBody>
+            <a:bodyPr wrap="square">
+              <a:spAutoFit/>
+            </a:bodyPr>
+            <a:lstStyle/>
+            <a:p>
+              <a:r>
+                <a:rPr lang="it-IT" b="1" dirty="0">
+                  <a:solidFill>
+                    <a:schemeClr val="accent2">
+                      <a:lumMod val="75000"/>
+                    </a:schemeClr>
+                  </a:solidFill>
+                </a:rPr>
+                <a:t>Lists</a:t>
+              </a:r>
+              <a:r>
+                <a:rPr lang="it-IT" sz="1600" dirty="0"/>
+                <a:t> are useful for storing values to operate on </a:t>
+              </a:r>
+            </a:p>
+            <a:p>
+              <a:r>
+                <a:rPr lang="it-IT" sz="1400" dirty="0"/>
+                <a:t>(see button lists)</a:t>
+              </a:r>
+              <a:endParaRPr lang="it-IT" dirty="0"/>
+            </a:p>
+          </p:txBody>
+        </p:sp>
+      </p:grpSp>
+      <p:sp>
+        <p:nvSpPr>
+          <p:cNvPr id="18" name="TextBox 17">
+            <a:extLst>
+              <a:ext uri="{FF2B5EF4-FFF2-40B4-BE49-F238E27FC236}">
+                <a16:creationId xmlns:a16="http://schemas.microsoft.com/office/drawing/2014/main" id="{33DF92B9-2892-AFB5-D22A-F3B13DC71659}"/>
+              </a:ext>
+            </a:extLst>
+          </p:cNvPr>
+          <p:cNvSpPr txBox="1"/>
+          <p:nvPr/>
+        </p:nvSpPr>
+        <p:spPr>
+          <a:xfrm>
+            <a:off x="377824" y="1549055"/>
+            <a:ext cx="3855013" cy="338554"/>
+          </a:xfrm>
+          <a:prstGeom prst="rect">
+            <a:avLst/>
+          </a:prstGeom>
+          <a:noFill/>
+        </p:spPr>
+        <p:txBody>
+          <a:bodyPr wrap="square">
+            <a:spAutoFit/>
+          </a:bodyPr>
+          <a:lstStyle/>
+          <a:p>
+            <a:r>
+              <a:rPr lang="it-IT" sz="1600" b="1" dirty="0">
+                <a:solidFill>
+                  <a:schemeClr val="accent2">
+                    <a:lumMod val="75000"/>
+                  </a:schemeClr>
+                </a:solidFill>
+              </a:rPr>
+              <a:t>Numeration</a:t>
+            </a:r>
+            <a:r>
+              <a:rPr lang="it-IT" sz="1600" dirty="0"/>
+              <a:t> in NetLogo starts from 0!</a:t>
+            </a:r>
+          </a:p>
+        </p:txBody>
+      </p:sp>
+      <p:grpSp>
+        <p:nvGrpSpPr>
+          <p:cNvPr id="62" name="Group 61">
+            <a:extLst>
+              <a:ext uri="{FF2B5EF4-FFF2-40B4-BE49-F238E27FC236}">
+                <a16:creationId xmlns:a16="http://schemas.microsoft.com/office/drawing/2014/main" id="{887ACFB0-C8F0-1656-3695-2B974BBAE0EC}"/>
+              </a:ext>
+            </a:extLst>
+          </p:cNvPr>
+          <p:cNvGrpSpPr/>
+          <p:nvPr/>
+        </p:nvGrpSpPr>
+        <p:grpSpPr>
+          <a:xfrm>
+            <a:off x="388301" y="3067419"/>
+            <a:ext cx="2783208" cy="1160702"/>
+            <a:chOff x="328151" y="3085823"/>
+            <a:chExt cx="2783208" cy="1160702"/>
+          </a:xfrm>
+        </p:grpSpPr>
+        <p:sp>
+          <p:nvSpPr>
+            <p:cNvPr id="20" name="TextBox 19">
+              <a:extLst>
+                <a:ext uri="{FF2B5EF4-FFF2-40B4-BE49-F238E27FC236}">
+                  <a16:creationId xmlns:a16="http://schemas.microsoft.com/office/drawing/2014/main" id="{C0152987-DF75-0934-3CE9-DD97685415EE}"/>
+                </a:ext>
+              </a:extLst>
+            </p:cNvPr>
+            <p:cNvSpPr txBox="1"/>
+            <p:nvPr/>
+          </p:nvSpPr>
+          <p:spPr>
+            <a:xfrm>
+              <a:off x="368007" y="3938748"/>
+              <a:ext cx="2720121" cy="307777"/>
+            </a:xfrm>
+            <a:prstGeom prst="rect">
+              <a:avLst/>
+            </a:prstGeom>
+            <a:noFill/>
+          </p:spPr>
+          <p:txBody>
+            <a:bodyPr wrap="square">
+              <a:spAutoFit/>
+            </a:bodyPr>
+            <a:lstStyle/>
+            <a:p>
+              <a:r>
+                <a:rPr lang="en-US" sz="1400" dirty="0"/>
+                <a:t>foreach [1 3 4] [x -&gt; show x + 1 ]</a:t>
+              </a:r>
+              <a:endParaRPr lang="it-IT" sz="1400" dirty="0"/>
+            </a:p>
+          </p:txBody>
+        </p:sp>
+        <p:sp>
+          <p:nvSpPr>
+            <p:cNvPr id="22" name="TextBox 21">
+              <a:extLst>
+                <a:ext uri="{FF2B5EF4-FFF2-40B4-BE49-F238E27FC236}">
+                  <a16:creationId xmlns:a16="http://schemas.microsoft.com/office/drawing/2014/main" id="{080FFAE5-E116-F433-49EC-5D36207CB0B2}"/>
+                </a:ext>
+              </a:extLst>
+            </p:cNvPr>
+            <p:cNvSpPr txBox="1"/>
+            <p:nvPr/>
+          </p:nvSpPr>
+          <p:spPr>
+            <a:xfrm>
+              <a:off x="328151" y="3085823"/>
+              <a:ext cx="2783208" cy="861774"/>
+            </a:xfrm>
+            <a:prstGeom prst="rect">
+              <a:avLst/>
+            </a:prstGeom>
+            <a:noFill/>
+          </p:spPr>
+          <p:txBody>
+            <a:bodyPr wrap="square">
+              <a:spAutoFit/>
+            </a:bodyPr>
+            <a:lstStyle/>
+            <a:p>
+              <a:r>
+                <a:rPr lang="it-IT" b="1" dirty="0">
+                  <a:solidFill>
+                    <a:schemeClr val="accent2">
+                      <a:lumMod val="75000"/>
+                    </a:schemeClr>
+                  </a:solidFill>
+                </a:rPr>
+                <a:t>Anonymous procedures</a:t>
+              </a:r>
+              <a:r>
+                <a:rPr lang="it-IT" sz="1600" dirty="0"/>
+                <a:t> are useful to run a procedure over elements of a list</a:t>
+              </a:r>
+              <a:endParaRPr lang="it-IT" dirty="0"/>
+            </a:p>
+          </p:txBody>
+        </p:sp>
+      </p:grpSp>
+      <p:grpSp>
+        <p:nvGrpSpPr>
+          <p:cNvPr id="28" name="Group 27">
+            <a:extLst>
+              <a:ext uri="{FF2B5EF4-FFF2-40B4-BE49-F238E27FC236}">
+                <a16:creationId xmlns:a16="http://schemas.microsoft.com/office/drawing/2014/main" id="{0775D7CE-09E2-187D-ABD9-CF1BCC808A0A}"/>
+              </a:ext>
+            </a:extLst>
+          </p:cNvPr>
+          <p:cNvGrpSpPr/>
+          <p:nvPr/>
+        </p:nvGrpSpPr>
+        <p:grpSpPr>
+          <a:xfrm>
+            <a:off x="198432" y="4656870"/>
+            <a:ext cx="4968488" cy="518982"/>
+            <a:chOff x="4878422" y="2561461"/>
+            <a:chExt cx="5366007" cy="518982"/>
+          </a:xfrm>
+        </p:grpSpPr>
+        <p:pic>
+          <p:nvPicPr>
+            <p:cNvPr id="24" name="Picture 23">
+              <a:extLst>
+                <a:ext uri="{FF2B5EF4-FFF2-40B4-BE49-F238E27FC236}">
+                  <a16:creationId xmlns:a16="http://schemas.microsoft.com/office/drawing/2014/main" id="{D09DA8A8-DADB-5AED-C809-EE5C2E0BCF62}"/>
+                </a:ext>
+              </a:extLst>
+            </p:cNvPr>
+            <p:cNvPicPr>
+              <a:picLocks noChangeAspect="1"/>
+            </p:cNvPicPr>
+            <p:nvPr/>
+          </p:nvPicPr>
+          <p:blipFill>
+            <a:blip r:embed="rId4"/>
+            <a:stretch>
+              <a:fillRect/>
+            </a:stretch>
+          </p:blipFill>
+          <p:spPr>
+            <a:xfrm>
+              <a:off x="4878422" y="2570190"/>
+              <a:ext cx="2937753" cy="510253"/>
+            </a:xfrm>
+            <a:prstGeom prst="rect">
+              <a:avLst/>
+            </a:prstGeom>
+          </p:spPr>
+        </p:pic>
+        <p:sp>
+          <p:nvSpPr>
+            <p:cNvPr id="25" name="TextBox 24">
+              <a:extLst>
+                <a:ext uri="{FF2B5EF4-FFF2-40B4-BE49-F238E27FC236}">
+                  <a16:creationId xmlns:a16="http://schemas.microsoft.com/office/drawing/2014/main" id="{693DC06D-DA4D-E01C-F9B5-C48AC1A5FB26}"/>
+                </a:ext>
+              </a:extLst>
+            </p:cNvPr>
+            <p:cNvSpPr txBox="1"/>
+            <p:nvPr/>
+          </p:nvSpPr>
+          <p:spPr>
+            <a:xfrm>
+              <a:off x="7588777" y="2561461"/>
+              <a:ext cx="2655652" cy="461665"/>
+            </a:xfrm>
+            <a:prstGeom prst="rect">
+              <a:avLst/>
+            </a:prstGeom>
+            <a:noFill/>
+          </p:spPr>
+          <p:txBody>
+            <a:bodyPr wrap="square" rtlCol="0">
+              <a:spAutoFit/>
+            </a:bodyPr>
+            <a:lstStyle/>
+            <a:p>
+              <a:r>
+                <a:rPr lang="it-IT" sz="1200" dirty="0"/>
+                <a:t>All turtles must fit the condition</a:t>
+              </a:r>
+            </a:p>
+            <a:p>
+              <a:r>
+                <a:rPr lang="it-IT" sz="1200" dirty="0"/>
+                <a:t>It is enough one turtle fits the condition</a:t>
+              </a:r>
+            </a:p>
+          </p:txBody>
+        </p:sp>
+      </p:grpSp>
+      <p:grpSp>
+        <p:nvGrpSpPr>
+          <p:cNvPr id="33" name="Group 32">
+            <a:extLst>
+              <a:ext uri="{FF2B5EF4-FFF2-40B4-BE49-F238E27FC236}">
+                <a16:creationId xmlns:a16="http://schemas.microsoft.com/office/drawing/2014/main" id="{4F13A0A1-7526-F2C2-6DDF-54D429609C95}"/>
+              </a:ext>
+            </a:extLst>
+          </p:cNvPr>
+          <p:cNvGrpSpPr/>
+          <p:nvPr/>
+        </p:nvGrpSpPr>
+        <p:grpSpPr>
+          <a:xfrm>
+            <a:off x="5578881" y="1172981"/>
+            <a:ext cx="3569158" cy="714628"/>
+            <a:chOff x="5513019" y="1289729"/>
+            <a:chExt cx="3569158" cy="714628"/>
+          </a:xfrm>
+        </p:grpSpPr>
+        <p:pic>
+          <p:nvPicPr>
+            <p:cNvPr id="30" name="Picture 29">
+              <a:extLst>
+                <a:ext uri="{FF2B5EF4-FFF2-40B4-BE49-F238E27FC236}">
+                  <a16:creationId xmlns:a16="http://schemas.microsoft.com/office/drawing/2014/main" id="{49F946CF-95B8-2E4D-D309-E6AB6AA706C7}"/>
+                </a:ext>
+              </a:extLst>
+            </p:cNvPr>
+            <p:cNvPicPr>
+              <a:picLocks noChangeAspect="1"/>
+            </p:cNvPicPr>
+            <p:nvPr/>
+          </p:nvPicPr>
+          <p:blipFill>
+            <a:blip r:embed="rId5"/>
+            <a:stretch>
+              <a:fillRect/>
+            </a:stretch>
+          </p:blipFill>
+          <p:spPr>
+            <a:xfrm>
+              <a:off x="5513019" y="1289729"/>
+              <a:ext cx="1987967" cy="714628"/>
+            </a:xfrm>
+            <a:prstGeom prst="rect">
+              <a:avLst/>
+            </a:prstGeom>
+          </p:spPr>
+        </p:pic>
+        <p:sp>
+          <p:nvSpPr>
+            <p:cNvPr id="32" name="TextBox 31">
+              <a:extLst>
+                <a:ext uri="{FF2B5EF4-FFF2-40B4-BE49-F238E27FC236}">
+                  <a16:creationId xmlns:a16="http://schemas.microsoft.com/office/drawing/2014/main" id="{B5F5F6A7-7D18-F741-9FFD-DC4626C7996B}"/>
+                </a:ext>
+              </a:extLst>
+            </p:cNvPr>
+            <p:cNvSpPr txBox="1"/>
+            <p:nvPr/>
+          </p:nvSpPr>
+          <p:spPr>
+            <a:xfrm>
+              <a:off x="7462076" y="1449220"/>
+              <a:ext cx="1620101" cy="338554"/>
+            </a:xfrm>
+            <a:prstGeom prst="rect">
+              <a:avLst/>
+            </a:prstGeom>
+            <a:noFill/>
+          </p:spPr>
+          <p:txBody>
+            <a:bodyPr wrap="square">
+              <a:spAutoFit/>
+            </a:bodyPr>
+            <a:lstStyle/>
+            <a:p>
+              <a:r>
+                <a:rPr lang="it-IT" sz="1600" dirty="0"/>
+                <a:t>continuous loop</a:t>
+              </a:r>
+            </a:p>
+          </p:txBody>
+        </p:sp>
+      </p:grpSp>
+      <p:grpSp>
+        <p:nvGrpSpPr>
+          <p:cNvPr id="75" name="Group 74">
+            <a:extLst>
+              <a:ext uri="{FF2B5EF4-FFF2-40B4-BE49-F238E27FC236}">
+                <a16:creationId xmlns:a16="http://schemas.microsoft.com/office/drawing/2014/main" id="{D367DD97-2656-7F47-1B79-7D9940541771}"/>
+              </a:ext>
+            </a:extLst>
+          </p:cNvPr>
+          <p:cNvGrpSpPr/>
+          <p:nvPr/>
+        </p:nvGrpSpPr>
+        <p:grpSpPr>
+          <a:xfrm>
+            <a:off x="5578881" y="2879422"/>
+            <a:ext cx="4392900" cy="1011986"/>
+            <a:chOff x="5578881" y="2954451"/>
+            <a:chExt cx="4392900" cy="1011986"/>
+          </a:xfrm>
+        </p:grpSpPr>
+        <p:pic>
+          <p:nvPicPr>
+            <p:cNvPr id="35" name="Picture 34">
+              <a:extLst>
+                <a:ext uri="{FF2B5EF4-FFF2-40B4-BE49-F238E27FC236}">
+                  <a16:creationId xmlns:a16="http://schemas.microsoft.com/office/drawing/2014/main" id="{75E000EF-A4FF-E342-A031-FCE23EE01845}"/>
+                </a:ext>
+              </a:extLst>
+            </p:cNvPr>
+            <p:cNvPicPr>
+              <a:picLocks noChangeAspect="1"/>
+            </p:cNvPicPr>
+            <p:nvPr/>
+          </p:nvPicPr>
+          <p:blipFill>
+            <a:blip r:embed="rId6"/>
+            <a:srcRect l="2298"/>
+            <a:stretch/>
+          </p:blipFill>
+          <p:spPr>
+            <a:xfrm>
+              <a:off x="7862489" y="2954451"/>
+              <a:ext cx="2109292" cy="1011986"/>
+            </a:xfrm>
+            <a:prstGeom prst="rect">
+              <a:avLst/>
+            </a:prstGeom>
+          </p:spPr>
+        </p:pic>
+        <p:sp>
+          <p:nvSpPr>
+            <p:cNvPr id="37" name="TextBox 36">
+              <a:extLst>
+                <a:ext uri="{FF2B5EF4-FFF2-40B4-BE49-F238E27FC236}">
+                  <a16:creationId xmlns:a16="http://schemas.microsoft.com/office/drawing/2014/main" id="{DBAD092E-628D-B486-8ECA-88253D51A33F}"/>
+                </a:ext>
+              </a:extLst>
+            </p:cNvPr>
+            <p:cNvSpPr txBox="1"/>
+            <p:nvPr/>
+          </p:nvSpPr>
+          <p:spPr>
+            <a:xfrm>
+              <a:off x="5578881" y="3019342"/>
+              <a:ext cx="2109292" cy="861774"/>
+            </a:xfrm>
+            <a:prstGeom prst="rect">
+              <a:avLst/>
+            </a:prstGeom>
+            <a:noFill/>
+          </p:spPr>
+          <p:txBody>
+            <a:bodyPr wrap="square">
+              <a:spAutoFit/>
+            </a:bodyPr>
+            <a:lstStyle/>
+            <a:p>
+              <a:r>
+                <a:rPr lang="it-IT" b="1" dirty="0">
+                  <a:solidFill>
+                    <a:schemeClr val="accent2">
+                      <a:lumMod val="75000"/>
+                    </a:schemeClr>
+                  </a:solidFill>
+                </a:rPr>
+                <a:t>While </a:t>
+              </a:r>
+              <a:r>
+                <a:rPr lang="it-IT" sz="1600" dirty="0"/>
+                <a:t>runs a procedure so far as the condition holds</a:t>
+              </a:r>
+              <a:endParaRPr lang="it-IT" dirty="0"/>
+            </a:p>
+          </p:txBody>
+        </p:sp>
+      </p:grpSp>
+      <p:grpSp>
+        <p:nvGrpSpPr>
+          <p:cNvPr id="76" name="Group 75">
+            <a:extLst>
+              <a:ext uri="{FF2B5EF4-FFF2-40B4-BE49-F238E27FC236}">
+                <a16:creationId xmlns:a16="http://schemas.microsoft.com/office/drawing/2014/main" id="{27679243-B8AF-B7ED-D9B7-F8F99B4FB06F}"/>
+              </a:ext>
+            </a:extLst>
+          </p:cNvPr>
+          <p:cNvGrpSpPr/>
+          <p:nvPr/>
+        </p:nvGrpSpPr>
+        <p:grpSpPr>
+          <a:xfrm>
+            <a:off x="5578881" y="1915133"/>
+            <a:ext cx="5764425" cy="925956"/>
+            <a:chOff x="5597581" y="1993955"/>
+            <a:chExt cx="5764425" cy="925956"/>
+          </a:xfrm>
+        </p:grpSpPr>
+        <p:pic>
+          <p:nvPicPr>
+            <p:cNvPr id="39" name="Picture 38">
+              <a:extLst>
+                <a:ext uri="{FF2B5EF4-FFF2-40B4-BE49-F238E27FC236}">
+                  <a16:creationId xmlns:a16="http://schemas.microsoft.com/office/drawing/2014/main" id="{48998920-0625-43C4-1E5F-8E440BB3E386}"/>
+                </a:ext>
+              </a:extLst>
+            </p:cNvPr>
+            <p:cNvPicPr>
+              <a:picLocks noChangeAspect="1"/>
+            </p:cNvPicPr>
+            <p:nvPr/>
+          </p:nvPicPr>
+          <p:blipFill>
+            <a:blip r:embed="rId7"/>
+            <a:stretch>
+              <a:fillRect/>
+            </a:stretch>
+          </p:blipFill>
+          <p:spPr>
+            <a:xfrm>
+              <a:off x="5650193" y="2617644"/>
+              <a:ext cx="1975537" cy="302267"/>
+            </a:xfrm>
+            <a:prstGeom prst="rect">
+              <a:avLst/>
+            </a:prstGeom>
+          </p:spPr>
+        </p:pic>
+        <p:sp>
+          <p:nvSpPr>
+            <p:cNvPr id="41" name="TextBox 40">
+              <a:extLst>
+                <a:ext uri="{FF2B5EF4-FFF2-40B4-BE49-F238E27FC236}">
+                  <a16:creationId xmlns:a16="http://schemas.microsoft.com/office/drawing/2014/main" id="{8CB8C64B-ED5F-54C4-20F3-FA6783242DD4}"/>
+                </a:ext>
+              </a:extLst>
+            </p:cNvPr>
+            <p:cNvSpPr txBox="1"/>
+            <p:nvPr/>
+          </p:nvSpPr>
+          <p:spPr>
+            <a:xfrm>
+              <a:off x="5597581" y="1993955"/>
+              <a:ext cx="5764425" cy="615553"/>
+            </a:xfrm>
+            <a:prstGeom prst="rect">
+              <a:avLst/>
+            </a:prstGeom>
+            <a:noFill/>
+          </p:spPr>
+          <p:txBody>
+            <a:bodyPr wrap="square">
+              <a:spAutoFit/>
+            </a:bodyPr>
+            <a:lstStyle/>
+            <a:p>
+              <a:r>
+                <a:rPr lang="it-IT" b="1" dirty="0">
+                  <a:solidFill>
+                    <a:schemeClr val="accent2">
+                      <a:lumMod val="75000"/>
+                    </a:schemeClr>
+                  </a:solidFill>
+                </a:rPr>
+                <a:t>Loop </a:t>
+              </a:r>
+              <a:r>
+                <a:rPr lang="it-IT" sz="1600" dirty="0"/>
+                <a:t>runs a  procedure forever, or until a stop condition (quite cumbersome, more efficient with forever  button)</a:t>
+              </a:r>
+              <a:endParaRPr lang="it-IT" dirty="0"/>
+            </a:p>
+          </p:txBody>
+        </p:sp>
+      </p:grpSp>
+      <p:grpSp>
+        <p:nvGrpSpPr>
+          <p:cNvPr id="65" name="Group 64">
+            <a:extLst>
+              <a:ext uri="{FF2B5EF4-FFF2-40B4-BE49-F238E27FC236}">
+                <a16:creationId xmlns:a16="http://schemas.microsoft.com/office/drawing/2014/main" id="{7C353E27-9822-17E5-776F-C674997645E7}"/>
+              </a:ext>
+            </a:extLst>
+          </p:cNvPr>
+          <p:cNvGrpSpPr/>
+          <p:nvPr/>
+        </p:nvGrpSpPr>
+        <p:grpSpPr>
+          <a:xfrm>
+            <a:off x="198432" y="5336586"/>
+            <a:ext cx="4617289" cy="954107"/>
+            <a:chOff x="198432" y="5336586"/>
+            <a:chExt cx="4617289" cy="954107"/>
+          </a:xfrm>
+        </p:grpSpPr>
+        <p:pic>
+          <p:nvPicPr>
+            <p:cNvPr id="43" name="Picture 42">
+              <a:extLst>
+                <a:ext uri="{FF2B5EF4-FFF2-40B4-BE49-F238E27FC236}">
+                  <a16:creationId xmlns:a16="http://schemas.microsoft.com/office/drawing/2014/main" id="{F242EFD2-0F47-A63E-8C96-CA383C214910}"/>
+                </a:ext>
+              </a:extLst>
+            </p:cNvPr>
+            <p:cNvPicPr>
+              <a:picLocks noChangeAspect="1"/>
+            </p:cNvPicPr>
+            <p:nvPr/>
+          </p:nvPicPr>
+          <p:blipFill>
+            <a:blip r:embed="rId8"/>
+            <a:stretch>
+              <a:fillRect/>
+            </a:stretch>
+          </p:blipFill>
+          <p:spPr>
+            <a:xfrm>
+              <a:off x="198432" y="5613330"/>
+              <a:ext cx="2590800" cy="598670"/>
+            </a:xfrm>
+            <a:prstGeom prst="rect">
+              <a:avLst/>
+            </a:prstGeom>
+          </p:spPr>
+        </p:pic>
+        <p:sp>
+          <p:nvSpPr>
+            <p:cNvPr id="44" name="Rectangle 43">
+              <a:extLst>
+                <a:ext uri="{FF2B5EF4-FFF2-40B4-BE49-F238E27FC236}">
+                  <a16:creationId xmlns:a16="http://schemas.microsoft.com/office/drawing/2014/main" id="{49023E5A-D69A-67D4-9F3E-3333E5323B61}"/>
+                </a:ext>
+              </a:extLst>
+            </p:cNvPr>
+            <p:cNvSpPr/>
+            <p:nvPr/>
+          </p:nvSpPr>
+          <p:spPr>
+            <a:xfrm>
+              <a:off x="2109131" y="5562702"/>
+              <a:ext cx="564311" cy="302267"/>
+            </a:xfrm>
+            <a:prstGeom prst="rect">
+              <a:avLst/>
+            </a:prstGeom>
+            <a:noFill/>
+            <a:ln>
+              <a:solidFill>
+                <a:schemeClr val="accent2">
+                  <a:lumMod val="75000"/>
+                </a:schemeClr>
+              </a:solidFill>
+            </a:ln>
+          </p:spPr>
+          <p:style>
+            <a:lnRef idx="2">
+              <a:schemeClr val="accent1">
+                <a:shade val="15000"/>
+              </a:schemeClr>
+            </a:lnRef>
+            <a:fillRef idx="1">
+              <a:schemeClr val="accent1"/>
+            </a:fillRef>
+            <a:effectRef idx="0">
+              <a:schemeClr val="accent1"/>
+            </a:effectRef>
+            <a:fontRef idx="minor">
+              <a:schemeClr val="lt1"/>
+            </a:fontRef>
+          </p:style>
+          <p:txBody>
+            <a:bodyPr rtlCol="0" anchor="ctr"/>
+            <a:lstStyle/>
+            <a:p>
+              <a:pPr algn="ctr"/>
+              <a:endParaRPr lang="it-IT"/>
+            </a:p>
+          </p:txBody>
+        </p:sp>
+        <p:sp>
+          <p:nvSpPr>
+            <p:cNvPr id="46" name="TextBox 45">
+              <a:extLst>
+                <a:ext uri="{FF2B5EF4-FFF2-40B4-BE49-F238E27FC236}">
+                  <a16:creationId xmlns:a16="http://schemas.microsoft.com/office/drawing/2014/main" id="{916E0036-5700-535A-E06B-F9FC537C5794}"/>
+                </a:ext>
+              </a:extLst>
+            </p:cNvPr>
+            <p:cNvSpPr txBox="1"/>
+            <p:nvPr/>
+          </p:nvSpPr>
+          <p:spPr>
+            <a:xfrm>
+              <a:off x="3121963" y="5336586"/>
+              <a:ext cx="1693758" cy="954107"/>
+            </a:xfrm>
+            <a:prstGeom prst="rect">
+              <a:avLst/>
+            </a:prstGeom>
+            <a:noFill/>
+          </p:spPr>
+          <p:txBody>
+            <a:bodyPr wrap="square">
+              <a:spAutoFit/>
+            </a:bodyPr>
+            <a:lstStyle/>
+            <a:p>
+              <a:r>
+                <a:rPr lang="it-IT" sz="1400" dirty="0"/>
+                <a:t>Input, equivalent to arguments of a function </a:t>
+              </a:r>
+            </a:p>
+            <a:p>
+              <a:r>
+                <a:rPr lang="it-IT" sz="1400" dirty="0"/>
+                <a:t>(see show report)</a:t>
+              </a:r>
+            </a:p>
+          </p:txBody>
+        </p:sp>
+        <p:cxnSp>
+          <p:nvCxnSpPr>
+            <p:cNvPr id="48" name="Straight Arrow Connector 47">
+              <a:extLst>
+                <a:ext uri="{FF2B5EF4-FFF2-40B4-BE49-F238E27FC236}">
+                  <a16:creationId xmlns:a16="http://schemas.microsoft.com/office/drawing/2014/main" id="{CAAC1F5E-1235-8D7A-50BA-004DFBE1B740}"/>
+                </a:ext>
+              </a:extLst>
+            </p:cNvPr>
+            <p:cNvCxnSpPr>
+              <a:cxnSpLocks/>
+              <a:stCxn id="44" idx="3"/>
+            </p:cNvCxnSpPr>
+            <p:nvPr/>
+          </p:nvCxnSpPr>
+          <p:spPr>
+            <a:xfrm flipV="1">
+              <a:off x="2673442" y="5713835"/>
+              <a:ext cx="448521" cy="1"/>
+            </a:xfrm>
+            <a:prstGeom prst="straightConnector1">
+              <a:avLst/>
+            </a:prstGeom>
+            <a:ln>
+              <a:solidFill>
+                <a:schemeClr val="accent2">
+                  <a:lumMod val="75000"/>
+                </a:schemeClr>
+              </a:solidFill>
+              <a:tailEnd type="triangle"/>
+            </a:ln>
+          </p:spPr>
+          <p:style>
+            <a:lnRef idx="1">
+              <a:schemeClr val="accent1"/>
+            </a:lnRef>
+            <a:fillRef idx="0">
+              <a:schemeClr val="accent1"/>
+            </a:fillRef>
+            <a:effectRef idx="0">
+              <a:schemeClr val="accent1"/>
+            </a:effectRef>
+            <a:fontRef idx="minor">
+              <a:schemeClr val="tx1"/>
+            </a:fontRef>
+          </p:style>
+        </p:cxnSp>
+      </p:grpSp>
+      <p:pic>
+        <p:nvPicPr>
+          <p:cNvPr id="59" name="Picture 58">
+            <a:extLst>
+              <a:ext uri="{FF2B5EF4-FFF2-40B4-BE49-F238E27FC236}">
+                <a16:creationId xmlns:a16="http://schemas.microsoft.com/office/drawing/2014/main" id="{A6C6F597-9EE9-F640-12DD-AA901069D49A}"/>
+              </a:ext>
+            </a:extLst>
+          </p:cNvPr>
+          <p:cNvPicPr>
+            <a:picLocks noChangeAspect="1"/>
+          </p:cNvPicPr>
+          <p:nvPr/>
+        </p:nvPicPr>
+        <p:blipFill>
+          <a:blip r:embed="rId9"/>
+          <a:stretch>
+            <a:fillRect/>
+          </a:stretch>
+        </p:blipFill>
+        <p:spPr>
+          <a:xfrm>
+            <a:off x="6293090" y="3929193"/>
+            <a:ext cx="3536587" cy="2417824"/>
+          </a:xfrm>
+          <a:prstGeom prst="rect">
+            <a:avLst/>
+          </a:prstGeom>
+        </p:spPr>
+      </p:pic>
+      <p:pic>
+        <p:nvPicPr>
+          <p:cNvPr id="61" name="Picture 60">
+            <a:extLst>
+              <a:ext uri="{FF2B5EF4-FFF2-40B4-BE49-F238E27FC236}">
+                <a16:creationId xmlns:a16="http://schemas.microsoft.com/office/drawing/2014/main" id="{764C33FB-3276-5790-B542-11153F813C44}"/>
+              </a:ext>
+            </a:extLst>
+          </p:cNvPr>
+          <p:cNvPicPr>
+            <a:picLocks noChangeAspect="1"/>
+          </p:cNvPicPr>
+          <p:nvPr/>
+        </p:nvPicPr>
+        <p:blipFill>
+          <a:blip r:embed="rId10"/>
+          <a:stretch>
+            <a:fillRect/>
+          </a:stretch>
+        </p:blipFill>
+        <p:spPr>
+          <a:xfrm>
+            <a:off x="6918796" y="5829919"/>
+            <a:ext cx="1310754" cy="472481"/>
+          </a:xfrm>
+          <a:prstGeom prst="rect">
+            <a:avLst/>
+          </a:prstGeom>
+        </p:spPr>
+      </p:pic>
+      <p:sp>
+        <p:nvSpPr>
+          <p:cNvPr id="67" name="TextBox 66">
+            <a:extLst>
+              <a:ext uri="{FF2B5EF4-FFF2-40B4-BE49-F238E27FC236}">
+                <a16:creationId xmlns:a16="http://schemas.microsoft.com/office/drawing/2014/main" id="{E4F01C4D-4B2F-F812-E25D-3F4A4A98160A}"/>
+              </a:ext>
+            </a:extLst>
+          </p:cNvPr>
+          <p:cNvSpPr txBox="1"/>
+          <p:nvPr/>
+        </p:nvSpPr>
+        <p:spPr>
+          <a:xfrm>
+            <a:off x="5605731" y="4043455"/>
+            <a:ext cx="867459" cy="369332"/>
+          </a:xfrm>
+          <a:prstGeom prst="rect">
+            <a:avLst/>
+          </a:prstGeom>
+          <a:noFill/>
+        </p:spPr>
+        <p:txBody>
+          <a:bodyPr wrap="square">
+            <a:spAutoFit/>
+          </a:bodyPr>
+          <a:lstStyle/>
+          <a:p>
+            <a:r>
+              <a:rPr kumimoji="0" lang="it-IT" sz="1800" b="1" i="0" u="none" strike="noStrike" kern="1200" cap="none" spc="0" normalizeH="0" baseline="0" noProof="0" dirty="0">
+                <a:ln>
+                  <a:noFill/>
+                </a:ln>
+                <a:solidFill>
+                  <a:srgbClr val="ED7D31">
+                    <a:lumMod val="75000"/>
+                  </a:srgbClr>
+                </a:solidFill>
+                <a:effectLst/>
+                <a:uLnTx/>
+                <a:uFillTx/>
+                <a:latin typeface="Calibri" panose="020F0502020204030204"/>
+                <a:ea typeface="+mn-ea"/>
+                <a:cs typeface="+mn-cs"/>
+              </a:rPr>
+              <a:t>Plots</a:t>
+            </a:r>
+            <a:endParaRPr lang="it-IT" dirty="0"/>
+          </a:p>
+        </p:txBody>
+      </p:sp>
+      <p:sp>
+        <p:nvSpPr>
+          <p:cNvPr id="69" name="TextBox 68">
+            <a:extLst>
+              <a:ext uri="{FF2B5EF4-FFF2-40B4-BE49-F238E27FC236}">
+                <a16:creationId xmlns:a16="http://schemas.microsoft.com/office/drawing/2014/main" id="{CC718612-9B62-2C44-75AF-2D3886C12724}"/>
+              </a:ext>
+            </a:extLst>
+          </p:cNvPr>
+          <p:cNvSpPr txBox="1"/>
+          <p:nvPr/>
+        </p:nvSpPr>
+        <p:spPr>
+          <a:xfrm>
+            <a:off x="10216834" y="1156510"/>
+            <a:ext cx="1975166" cy="523220"/>
+          </a:xfrm>
+          <a:prstGeom prst="rect">
+            <a:avLst/>
+          </a:prstGeom>
+          <a:noFill/>
+        </p:spPr>
+        <p:txBody>
+          <a:bodyPr wrap="square">
+            <a:spAutoFit/>
+          </a:bodyPr>
+          <a:lstStyle/>
+          <a:p>
+            <a:r>
+              <a:rPr kumimoji="0" lang="it-IT" sz="2800" b="1" i="0" u="none" strike="noStrike" kern="1200" cap="none" spc="0" normalizeH="0" baseline="0" noProof="0" dirty="0">
+                <a:ln>
+                  <a:noFill/>
+                </a:ln>
+                <a:solidFill>
+                  <a:srgbClr val="B27F47"/>
+                </a:solidFill>
+                <a:effectLst/>
+                <a:uLnTx/>
+                <a:uFillTx/>
+                <a:latin typeface="Titillium Bd" pitchFamily="2" charset="77"/>
+                <a:ea typeface="+mn-ea"/>
+                <a:cs typeface="+mn-cs"/>
+              </a:rPr>
+              <a:t>Some more</a:t>
+            </a:r>
+            <a:endParaRPr lang="it-IT" dirty="0"/>
+          </a:p>
+        </p:txBody>
+      </p:sp>
+      <p:pic>
+        <p:nvPicPr>
+          <p:cNvPr id="72" name="Picture 71">
+            <a:extLst>
+              <a:ext uri="{FF2B5EF4-FFF2-40B4-BE49-F238E27FC236}">
+                <a16:creationId xmlns:a16="http://schemas.microsoft.com/office/drawing/2014/main" id="{A0A23A47-A922-24CB-642E-A61C3E9EF9E8}"/>
+              </a:ext>
+            </a:extLst>
+          </p:cNvPr>
+          <p:cNvPicPr>
+            <a:picLocks noChangeAspect="1"/>
+          </p:cNvPicPr>
+          <p:nvPr/>
+        </p:nvPicPr>
+        <p:blipFill>
+          <a:blip r:embed="rId11"/>
+          <a:stretch>
+            <a:fillRect/>
+          </a:stretch>
+        </p:blipFill>
+        <p:spPr>
+          <a:xfrm>
+            <a:off x="9829677" y="6033024"/>
+            <a:ext cx="929721" cy="190517"/>
+          </a:xfrm>
+          <a:prstGeom prst="rect">
+            <a:avLst/>
+          </a:prstGeom>
+        </p:spPr>
+      </p:pic>
+      <p:sp>
+        <p:nvSpPr>
+          <p:cNvPr id="74" name="TextBox 73">
+            <a:extLst>
+              <a:ext uri="{FF2B5EF4-FFF2-40B4-BE49-F238E27FC236}">
+                <a16:creationId xmlns:a16="http://schemas.microsoft.com/office/drawing/2014/main" id="{EE58C96F-F3EC-80E5-3359-E45BEF08917D}"/>
+              </a:ext>
+            </a:extLst>
+          </p:cNvPr>
+          <p:cNvSpPr txBox="1"/>
+          <p:nvPr/>
+        </p:nvSpPr>
+        <p:spPr>
+          <a:xfrm>
+            <a:off x="10625051" y="5744483"/>
+            <a:ext cx="1566949" cy="577081"/>
+          </a:xfrm>
+          <a:prstGeom prst="rect">
+            <a:avLst/>
+          </a:prstGeom>
+          <a:noFill/>
+        </p:spPr>
+        <p:txBody>
+          <a:bodyPr wrap="square">
+            <a:spAutoFit/>
+          </a:bodyPr>
+          <a:lstStyle/>
+          <a:p>
+            <a:r>
+              <a:rPr kumimoji="0" lang="it-IT" sz="1050" b="0" i="0" u="none" strike="noStrike" kern="1200" cap="none" spc="0" normalizeH="0" baseline="0" noProof="0" dirty="0">
+                <a:ln>
+                  <a:noFill/>
+                </a:ln>
+                <a:solidFill>
+                  <a:prstClr val="black"/>
+                </a:solidFill>
+                <a:effectLst/>
+                <a:uLnTx/>
+                <a:uFillTx/>
+                <a:latin typeface="Calibri" panose="020F0502020204030204"/>
+                <a:ea typeface="+mn-ea"/>
+                <a:cs typeface="+mn-cs"/>
+              </a:rPr>
+              <a:t>To include seeed number: avoid randomness initialization</a:t>
+            </a:r>
+            <a:endParaRPr lang="it-IT" sz="1400" dirty="0"/>
+          </a:p>
+        </p:txBody>
+      </p:sp>
+    </p:spTree>
+    <p:extLst>
+      <p:ext uri="{BB962C8B-B14F-4D97-AF65-F5344CB8AC3E}">
+        <p14:creationId xmlns:p14="http://schemas.microsoft.com/office/powerpoint/2010/main" val="2326943287"/>
+      </p:ext>
+    </p:extLst>
+  </p:cSld>
+  <p:clrMapOvr>
+    <a:masterClrMapping/>
+  </p:clrMapOvr>
+</p:sld>
+</file>
+
+<file path=ppt/slides/slide12.xml><?xml version="1.0" encoding="utf-8"?>
+<p:sld xmlns:a="http://schemas.openxmlformats.org/drawingml/2006/main" xmlns:r="http://schemas.openxmlformats.org/officeDocument/2006/relationships" xmlns:p="http://schemas.openxmlformats.org/presentationml/2006/main">
+  <p:cSld>
+    <p:spTree>
+      <p:nvGrpSpPr>
+        <p:cNvPr id="1" name=""/>
+        <p:cNvGrpSpPr/>
+        <p:nvPr/>
+      </p:nvGrpSpPr>
+      <p:grpSpPr>
+        <a:xfrm>
+          <a:off x="0" y="0"/>
+          <a:ext cx="0" cy="0"/>
+          <a:chOff x="0" y="0"/>
+          <a:chExt cx="0" cy="0"/>
+        </a:xfrm>
+      </p:grpSpPr>
       <p:sp>
         <p:nvSpPr>
           <p:cNvPr id="4" name="Title 1">
@@ -6582,7 +7815,7 @@
 </p:sld>
 </file>
 
-<file path=ppt/slides/slide12.xml><?xml version="1.0" encoding="utf-8"?>
+<file path=ppt/slides/slide13.xml><?xml version="1.0" encoding="utf-8"?>
 <p:sld xmlns:a="http://schemas.openxmlformats.org/drawingml/2006/main" xmlns:r="http://schemas.openxmlformats.org/officeDocument/2006/relationships" xmlns:p="http://schemas.openxmlformats.org/presentationml/2006/main">
   <p:cSld>
     <p:spTree>
@@ -8400,7 +9633,7 @@
         </p:blipFill>
         <p:spPr>
           <a:xfrm>
-            <a:off x="494371" y="2059157"/>
+            <a:off x="297860" y="1788713"/>
             <a:ext cx="915852" cy="1227243"/>
           </a:xfrm>
           <a:prstGeom prst="rect">
@@ -8422,8 +9655,8 @@
         </p:nvSpPr>
         <p:spPr>
           <a:xfrm>
-            <a:off x="29778" y="3582379"/>
-            <a:ext cx="2899726" cy="2185214"/>
+            <a:off x="103146" y="3204001"/>
+            <a:ext cx="2796579" cy="2185214"/>
           </a:xfrm>
           <a:prstGeom prst="rect">
             <a:avLst/>
@@ -8990,8 +10223,8 @@
         </p:nvCxnSpPr>
         <p:spPr>
           <a:xfrm flipV="1">
-            <a:off x="2089843" y="2672778"/>
-            <a:ext cx="914113" cy="1330680"/>
+            <a:off x="2069683" y="2672778"/>
+            <a:ext cx="934273" cy="766443"/>
           </a:xfrm>
           <a:prstGeom prst="line">
             <a:avLst/>
@@ -9017,6 +10250,36 @@
           </a:fontRef>
         </p:style>
       </p:cxnSp>
+      <p:pic>
+        <p:nvPicPr>
+          <p:cNvPr id="9" name="Picture 8">
+            <a:extLst>
+              <a:ext uri="{FF2B5EF4-FFF2-40B4-BE49-F238E27FC236}">
+                <a16:creationId xmlns:a16="http://schemas.microsoft.com/office/drawing/2014/main" id="{A697B91A-4C1C-7CA7-0EAF-66201928F8E0}"/>
+              </a:ext>
+            </a:extLst>
+          </p:cNvPr>
+          <p:cNvPicPr>
+            <a:picLocks noChangeAspect="1"/>
+          </p:cNvPicPr>
+          <p:nvPr/>
+        </p:nvPicPr>
+        <p:blipFill>
+          <a:blip r:embed="rId8"/>
+          <a:stretch>
+            <a:fillRect/>
+          </a:stretch>
+        </p:blipFill>
+        <p:spPr>
+          <a:xfrm>
+            <a:off x="103147" y="5455021"/>
+            <a:ext cx="2833649" cy="780114"/>
+          </a:xfrm>
+          <a:prstGeom prst="rect">
+            <a:avLst/>
+          </a:prstGeom>
+        </p:spPr>
+      </p:pic>
     </p:spTree>
     <p:extLst>
       <p:ext uri="{BB962C8B-B14F-4D97-AF65-F5344CB8AC3E}">
